--- a/Problem Statement 2 ppt.pptx
+++ b/Problem Statement 2 ppt.pptx
@@ -5537,7 +5537,7 @@
           <a:p>
             <a:r>
               <a:rPr lang="en-IN" dirty="0"/>
-              <a:t>Pro tip-  You can make use of git hub student developer pack to ger free subscription of top educating websites like Frontend Masters and do great courses for free.</a:t>
+              <a:t>Pro tip-  You can make use of git hub student developer pack to get free subscription of top educating websites like Frontend Masters and do great courses for free.</a:t>
             </a:r>
           </a:p>
           <a:p>
@@ -5672,7 +5672,7 @@
           <a:p>
             <a:r>
               <a:rPr lang="en-US" dirty="0"/>
-              <a:t>The present assignment which I am doing is another way of testing the skills.  To see how good one has understood is to ask him teach what he has understood.</a:t>
+              <a:t>The present assignment which I am doing is another way of testing the skills.  To see how good one has understood is to ask him teach what he/she has understood.</a:t>
             </a:r>
           </a:p>
           <a:p>
